--- a/src/main/resources/prezentacja/Car Rent 71 - prezentacja.pptx
+++ b/src/main/resources/prezentacja/Car Rent 71 - prezentacja.pptx
@@ -774,6 +774,7 @@
           <a:p>
             <a:fld id="{78E3A07B-7F35-426B-B8A2-3463C9AD2080}" type="datetimeFigureOut">
               <a:rPr lang="pl-PL" smtClean="0"/>
+              <a:pPr/>
               <a:t>14.07.2018</a:t>
             </a:fld>
             <a:endParaRPr lang="pl-PL"/>
@@ -834,6 +835,7 @@
           <a:p>
             <a:fld id="{08DB957F-4C4B-4C6B-BEA8-8980BDB810BB}" type="slidenum">
               <a:rPr lang="pl-PL" smtClean="0"/>
+              <a:pPr/>
               <a:t>‹#›</a:t>
             </a:fld>
             <a:endParaRPr lang="pl-PL"/>
@@ -957,6 +959,7 @@
           <a:p>
             <a:fld id="{78E3A07B-7F35-426B-B8A2-3463C9AD2080}" type="datetimeFigureOut">
               <a:rPr lang="pl-PL" smtClean="0"/>
+              <a:pPr/>
               <a:t>14.07.2018</a:t>
             </a:fld>
             <a:endParaRPr lang="pl-PL"/>
@@ -999,6 +1002,7 @@
           <a:p>
             <a:fld id="{08DB957F-4C4B-4C6B-BEA8-8980BDB810BB}" type="slidenum">
               <a:rPr lang="pl-PL" smtClean="0"/>
+              <a:pPr/>
               <a:t>‹#›</a:t>
             </a:fld>
             <a:endParaRPr lang="pl-PL"/>
@@ -1132,6 +1136,7 @@
           <a:p>
             <a:fld id="{78E3A07B-7F35-426B-B8A2-3463C9AD2080}" type="datetimeFigureOut">
               <a:rPr lang="pl-PL" smtClean="0"/>
+              <a:pPr/>
               <a:t>14.07.2018</a:t>
             </a:fld>
             <a:endParaRPr lang="pl-PL"/>
@@ -1174,6 +1179,7 @@
           <a:p>
             <a:fld id="{08DB957F-4C4B-4C6B-BEA8-8980BDB810BB}" type="slidenum">
               <a:rPr lang="pl-PL" smtClean="0"/>
+              <a:pPr/>
               <a:t>‹#›</a:t>
             </a:fld>
             <a:endParaRPr lang="pl-PL"/>
@@ -1297,6 +1303,7 @@
           <a:p>
             <a:fld id="{78E3A07B-7F35-426B-B8A2-3463C9AD2080}" type="datetimeFigureOut">
               <a:rPr lang="pl-PL" smtClean="0"/>
+              <a:pPr/>
               <a:t>14.07.2018</a:t>
             </a:fld>
             <a:endParaRPr lang="pl-PL"/>
@@ -1339,6 +1346,7 @@
           <a:p>
             <a:fld id="{08DB957F-4C4B-4C6B-BEA8-8980BDB810BB}" type="slidenum">
               <a:rPr lang="pl-PL" smtClean="0"/>
+              <a:pPr/>
               <a:t>‹#›</a:t>
             </a:fld>
             <a:endParaRPr lang="pl-PL"/>
@@ -1518,6 +1526,7 @@
           <a:p>
             <a:fld id="{78E3A07B-7F35-426B-B8A2-3463C9AD2080}" type="datetimeFigureOut">
               <a:rPr lang="pl-PL" smtClean="0"/>
+              <a:pPr/>
               <a:t>14.07.2018</a:t>
             </a:fld>
             <a:endParaRPr lang="pl-PL"/>
@@ -1560,6 +1569,7 @@
           <a:p>
             <a:fld id="{08DB957F-4C4B-4C6B-BEA8-8980BDB810BB}" type="slidenum">
               <a:rPr lang="pl-PL" smtClean="0"/>
+              <a:pPr/>
               <a:t>‹#›</a:t>
             </a:fld>
             <a:endParaRPr lang="pl-PL"/>
@@ -1777,6 +1787,7 @@
           <a:p>
             <a:fld id="{78E3A07B-7F35-426B-B8A2-3463C9AD2080}" type="datetimeFigureOut">
               <a:rPr lang="pl-PL" smtClean="0"/>
+              <a:pPr/>
               <a:t>14.07.2018</a:t>
             </a:fld>
             <a:endParaRPr lang="pl-PL"/>
@@ -1819,6 +1830,7 @@
           <a:p>
             <a:fld id="{08DB957F-4C4B-4C6B-BEA8-8980BDB810BB}" type="slidenum">
               <a:rPr lang="pl-PL" smtClean="0"/>
+              <a:pPr/>
               <a:t>‹#›</a:t>
             </a:fld>
             <a:endParaRPr lang="pl-PL"/>
@@ -2181,6 +2193,7 @@
           <a:p>
             <a:fld id="{78E3A07B-7F35-426B-B8A2-3463C9AD2080}" type="datetimeFigureOut">
               <a:rPr lang="pl-PL" smtClean="0"/>
+              <a:pPr/>
               <a:t>14.07.2018</a:t>
             </a:fld>
             <a:endParaRPr lang="pl-PL"/>
@@ -2204,6 +2217,7 @@
           <a:p>
             <a:fld id="{08DB957F-4C4B-4C6B-BEA8-8980BDB810BB}" type="slidenum">
               <a:rPr lang="pl-PL" smtClean="0"/>
+              <a:pPr/>
               <a:t>‹#›</a:t>
             </a:fld>
             <a:endParaRPr lang="pl-PL"/>
@@ -2312,6 +2326,7 @@
           <a:p>
             <a:fld id="{78E3A07B-7F35-426B-B8A2-3463C9AD2080}" type="datetimeFigureOut">
               <a:rPr lang="pl-PL" smtClean="0"/>
+              <a:pPr/>
               <a:t>14.07.2018</a:t>
             </a:fld>
             <a:endParaRPr lang="pl-PL"/>
@@ -2364,6 +2379,7 @@
           <a:p>
             <a:fld id="{08DB957F-4C4B-4C6B-BEA8-8980BDB810BB}" type="slidenum">
               <a:rPr lang="pl-PL" smtClean="0"/>
+              <a:pPr/>
               <a:t>‹#›</a:t>
             </a:fld>
             <a:endParaRPr lang="pl-PL"/>
@@ -2412,6 +2428,7 @@
           <a:p>
             <a:fld id="{78E3A07B-7F35-426B-B8A2-3463C9AD2080}" type="datetimeFigureOut">
               <a:rPr lang="pl-PL" smtClean="0"/>
+              <a:pPr/>
               <a:t>14.07.2018</a:t>
             </a:fld>
             <a:endParaRPr lang="pl-PL"/>
@@ -2454,6 +2471,7 @@
           <a:p>
             <a:fld id="{08DB957F-4C4B-4C6B-BEA8-8980BDB810BB}" type="slidenum">
               <a:rPr lang="pl-PL" smtClean="0"/>
+              <a:pPr/>
               <a:t>‹#›</a:t>
             </a:fld>
             <a:endParaRPr lang="pl-PL"/>
@@ -2657,6 +2675,7 @@
           <a:p>
             <a:fld id="{78E3A07B-7F35-426B-B8A2-3463C9AD2080}" type="datetimeFigureOut">
               <a:rPr lang="pl-PL" smtClean="0"/>
+              <a:pPr/>
               <a:t>14.07.2018</a:t>
             </a:fld>
             <a:endParaRPr lang="pl-PL"/>
@@ -2699,6 +2718,7 @@
           <a:p>
             <a:fld id="{08DB957F-4C4B-4C6B-BEA8-8980BDB810BB}" type="slidenum">
               <a:rPr lang="pl-PL" smtClean="0"/>
+              <a:pPr/>
               <a:t>‹#›</a:t>
             </a:fld>
             <a:endParaRPr lang="pl-PL"/>
@@ -2901,6 +2921,7 @@
           <a:p>
             <a:fld id="{78E3A07B-7F35-426B-B8A2-3463C9AD2080}" type="datetimeFigureOut">
               <a:rPr lang="pl-PL" smtClean="0"/>
+              <a:pPr/>
               <a:t>14.07.2018</a:t>
             </a:fld>
             <a:endParaRPr lang="pl-PL"/>
@@ -2943,6 +2964,7 @@
           <a:p>
             <a:fld id="{08DB957F-4C4B-4C6B-BEA8-8980BDB810BB}" type="slidenum">
               <a:rPr lang="pl-PL" smtClean="0"/>
+              <a:pPr/>
               <a:t>‹#›</a:t>
             </a:fld>
             <a:endParaRPr lang="pl-PL"/>
@@ -3725,6 +3747,7 @@
           <a:p>
             <a:fld id="{78E3A07B-7F35-426B-B8A2-3463C9AD2080}" type="datetimeFigureOut">
               <a:rPr lang="pl-PL" smtClean="0"/>
+              <a:pPr/>
               <a:t>14.07.2018</a:t>
             </a:fld>
             <a:endParaRPr lang="pl-PL"/>
@@ -3799,6 +3822,7 @@
           <a:p>
             <a:fld id="{08DB957F-4C4B-4C6B-BEA8-8980BDB810BB}" type="slidenum">
               <a:rPr lang="pl-PL" smtClean="0"/>
+              <a:pPr/>
               <a:t>‹#›</a:t>
             </a:fld>
             <a:endParaRPr lang="pl-PL"/>
@@ -4150,6 +4174,13 @@
   <p:clrMapOvr>
     <a:masterClrMapping/>
   </p:clrMapOvr>
+  <p:timing>
+    <p:tnLst>
+      <p:par>
+        <p:cTn id="1" dur="indefinite" restart="never" nodeType="tmRoot"/>
+      </p:par>
+    </p:tnLst>
+  </p:timing>
 </p:sld>
 </file>
 
@@ -4187,38 +4218,30 @@
           <a:p>
             <a:r>
               <a:rPr lang="pl-PL" dirty="0" smtClean="0"/>
-              <a:t>Wybór </a:t>
-            </a:r>
+              <a:t>Wybór technologii - uzasadnienie</a:t>
+            </a:r>
+            <a:endParaRPr lang="pl-PL" dirty="0"/>
+          </a:p>
+        </p:txBody>
+      </p:sp>
+      <p:sp>
+        <p:nvSpPr>
+          <p:cNvPr id="3" name="Symbol zastępczy zawartości 2"/>
+          <p:cNvSpPr>
+            <a:spLocks noGrp="1"/>
+          </p:cNvSpPr>
+          <p:nvPr>
+            <p:ph idx="1"/>
+          </p:nvPr>
+        </p:nvSpPr>
+        <p:spPr/>
+        <p:txBody>
+          <a:bodyPr/>
+          <a:lstStyle/>
+          <a:p>
             <a:r>
               <a:rPr lang="pl-PL" dirty="0" smtClean="0"/>
-              <a:t>technologii - uzasadnienie</a:t>
-            </a:r>
-            <a:endParaRPr lang="pl-PL" dirty="0"/>
-          </a:p>
-        </p:txBody>
-      </p:sp>
-      <p:sp>
-        <p:nvSpPr>
-          <p:cNvPr id="3" name="Symbol zastępczy zawartości 2"/>
-          <p:cNvSpPr>
-            <a:spLocks noGrp="1"/>
-          </p:cNvSpPr>
-          <p:nvPr>
-            <p:ph idx="1"/>
-          </p:nvPr>
-        </p:nvSpPr>
-        <p:spPr/>
-        <p:txBody>
-          <a:bodyPr/>
-          <a:lstStyle/>
-          <a:p>
-            <a:r>
-              <a:rPr lang="pl-PL" dirty="0" smtClean="0"/>
-              <a:t>Java (Spring</a:t>
-            </a:r>
-            <a:r>
-              <a:rPr lang="pl-PL" dirty="0" smtClean="0"/>
-              <a:t>) </a:t>
+              <a:t>Java (Spring) </a:t>
             </a:r>
             <a:r>
               <a:rPr lang="pl-PL" sz="2000" dirty="0" smtClean="0">
@@ -4228,11 +4251,6 @@
               </a:rPr>
               <a:t>podsumowanie wiedzy zdobytej na kursie</a:t>
             </a:r>
-            <a:endParaRPr lang="pl-PL" sz="2000" dirty="0" smtClean="0">
-              <a:solidFill>
-                <a:srgbClr val="FF0000"/>
-              </a:solidFill>
-            </a:endParaRPr>
           </a:p>
           <a:p>
             <a:r>
@@ -4284,11 +4302,7 @@
           <a:p>
             <a:r>
               <a:rPr lang="pl-PL" dirty="0" smtClean="0"/>
-              <a:t>Baza danych </a:t>
-            </a:r>
-            <a:r>
-              <a:rPr lang="pl-PL" dirty="0" smtClean="0"/>
-              <a:t>H2 </a:t>
+              <a:t>Baza danych H2 </a:t>
             </a:r>
             <a:r>
               <a:rPr lang="pl-PL" sz="2000" dirty="0" smtClean="0">
@@ -4298,11 +4312,6 @@
               </a:rPr>
               <a:t>szybkość, łatwość użycia</a:t>
             </a:r>
-            <a:endParaRPr lang="pl-PL" sz="2000" dirty="0" smtClean="0">
-              <a:solidFill>
-                <a:srgbClr val="FF0000"/>
-              </a:solidFill>
-            </a:endParaRPr>
           </a:p>
           <a:p>
             <a:r>
@@ -4420,21 +4429,11 @@
           <a:p>
             <a:r>
               <a:rPr lang="pl-PL" dirty="0" smtClean="0"/>
-              <a:t>Do </a:t>
-            </a:r>
-            <a:r>
-              <a:rPr lang="pl-PL" dirty="0" err="1" smtClean="0"/>
-              <a:t>update’owanie</a:t>
+              <a:t>Brak </a:t>
             </a:r>
             <a:r>
               <a:rPr lang="pl-PL" dirty="0" smtClean="0"/>
-              <a:t> strony wymagana jest znajomość programowania</a:t>
-            </a:r>
-          </a:p>
-          <a:p>
-            <a:r>
-              <a:rPr lang="pl-PL" dirty="0" smtClean="0"/>
-              <a:t>Brak logowania</a:t>
+              <a:t>logowania</a:t>
             </a:r>
           </a:p>
           <a:p>
@@ -4451,6 +4450,13 @@
   <p:clrMapOvr>
     <a:masterClrMapping/>
   </p:clrMapOvr>
+  <p:timing>
+    <p:tnLst>
+      <p:par>
+        <p:cTn id="1" dur="indefinite" restart="never" nodeType="tmRoot"/>
+      </p:par>
+    </p:tnLst>
+  </p:timing>
 </p:sld>
 </file>
 
@@ -4602,6 +4608,13 @@
   <p:clrMapOvr>
     <a:masterClrMapping/>
   </p:clrMapOvr>
+  <p:timing>
+    <p:tnLst>
+      <p:par>
+        <p:cTn id="1" dur="indefinite" restart="never" nodeType="tmRoot"/>
+      </p:par>
+    </p:tnLst>
+  </p:timing>
 </p:sld>
 </file>
 
@@ -4678,6 +4691,14 @@
             </a:r>
           </a:p>
           <a:p>
+            <a:r>
+              <a:rPr lang="pl-PL" dirty="0" err="1" smtClean="0"/>
+              <a:t>Admin</a:t>
+            </a:r>
+            <a:r>
+              <a:rPr lang="pl-PL" dirty="0" smtClean="0"/>
+              <a:t> Panel</a:t>
+            </a:r>
             <a:endParaRPr lang="pl-PL" dirty="0"/>
           </a:p>
         </p:txBody>
@@ -4687,6 +4708,13 @@
   <p:clrMapOvr>
     <a:masterClrMapping/>
   </p:clrMapOvr>
+  <p:timing>
+    <p:tnLst>
+      <p:par>
+        <p:cTn id="1" dur="indefinite" restart="never" nodeType="tmRoot"/>
+      </p:par>
+    </p:tnLst>
+  </p:timing>
 </p:sld>
 </file>
 
@@ -4770,6 +4798,13 @@
   <p:clrMapOvr>
     <a:masterClrMapping/>
   </p:clrMapOvr>
+  <p:timing>
+    <p:tnLst>
+      <p:par>
+        <p:cTn id="1" dur="indefinite" restart="never" nodeType="tmRoot"/>
+      </p:par>
+    </p:tnLst>
+  </p:timing>
 </p:sld>
 </file>
 
@@ -4854,6 +4889,13 @@
   <p:clrMapOvr>
     <a:masterClrMapping/>
   </p:clrMapOvr>
+  <p:timing>
+    <p:tnLst>
+      <p:par>
+        <p:cTn id="1" dur="indefinite" restart="never" nodeType="tmRoot"/>
+      </p:par>
+    </p:tnLst>
+  </p:timing>
 </p:sld>
 </file>
 
@@ -4931,6 +4973,13 @@
   <p:clrMapOvr>
     <a:masterClrMapping/>
   </p:clrMapOvr>
+  <p:timing>
+    <p:tnLst>
+      <p:par>
+        <p:cTn id="1" dur="indefinite" restart="never" nodeType="tmRoot"/>
+      </p:par>
+    </p:tnLst>
+  </p:timing>
 </p:sld>
 </file>
 
@@ -5019,6 +5068,13 @@
   <p:clrMapOvr>
     <a:masterClrMapping/>
   </p:clrMapOvr>
+  <p:timing>
+    <p:tnLst>
+      <p:par>
+        <p:cTn id="1" dur="indefinite" restart="never" nodeType="tmRoot"/>
+      </p:par>
+    </p:tnLst>
+  </p:timing>
 </p:sld>
 </file>
 

--- a/src/main/resources/prezentacja/Car Rent 71 - prezentacja.pptx
+++ b/src/main/resources/prezentacja/Car Rent 71 - prezentacja.pptx
@@ -4429,11 +4429,7 @@
           <a:p>
             <a:r>
               <a:rPr lang="pl-PL" dirty="0" smtClean="0"/>
-              <a:t>Brak </a:t>
-            </a:r>
-            <a:r>
-              <a:rPr lang="pl-PL" dirty="0" smtClean="0"/>
-              <a:t>logowania</a:t>
+              <a:t>Brak logowania</a:t>
             </a:r>
           </a:p>
           <a:p>
@@ -4697,7 +4693,17 @@
             </a:r>
             <a:r>
               <a:rPr lang="pl-PL" dirty="0" smtClean="0"/>
-              <a:t> Panel</a:t>
+              <a:t> </a:t>
+            </a:r>
+            <a:r>
+              <a:rPr lang="pl-PL" dirty="0" smtClean="0"/>
+              <a:t>Panel</a:t>
+            </a:r>
+          </a:p>
+          <a:p>
+            <a:r>
+              <a:rPr lang="pl-PL" dirty="0" err="1" smtClean="0"/>
+              <a:t>Aspose</a:t>
             </a:r>
             <a:endParaRPr lang="pl-PL" dirty="0"/>
           </a:p>
